--- a/report/Infineon_PSOC6_Lecture_Project_Status.pptx
+++ b/report/Infineon_PSOC6_Lecture_Project_Status.pptx
@@ -21467,13 +21467,109 @@
               <a:buFont typeface="Arial" panose="020B0604020202020204" pitchFamily="34" charset="0"/>
               <a:buChar char="•"/>
             </a:pPr>
+            <a:endParaRPr lang="en-US" dirty="0">
+              <a:solidFill>
+                <a:schemeClr val="tx1"/>
+              </a:solidFill>
+            </a:endParaRPr>
+          </a:p>
+          <a:p>
+            <a:pPr marL="285750" indent="-285750" defTabSz="576000" eaLnBrk="0" hangingPunct="0">
+              <a:lnSpc>
+                <a:spcPct val="120000"/>
+              </a:lnSpc>
+              <a:buFont typeface="Arial" panose="020B0604020202020204" pitchFamily="34" charset="0"/>
+              <a:buChar char="•"/>
+            </a:pPr>
             <a:r>
               <a:rPr lang="en-US" dirty="0">
                 <a:solidFill>
                   <a:schemeClr val="tx1"/>
                 </a:solidFill>
               </a:rPr>
-              <a:t>text</a:t>
+              <a:t>Expanded the dataset to increase the model’s training base</a:t>
+            </a:r>
+          </a:p>
+          <a:p>
+            <a:pPr marL="285750" indent="-285750" defTabSz="576000" eaLnBrk="0" hangingPunct="0">
+              <a:lnSpc>
+                <a:spcPct val="120000"/>
+              </a:lnSpc>
+              <a:buFont typeface="Arial" panose="020B0604020202020204" pitchFamily="34" charset="0"/>
+              <a:buChar char="•"/>
+            </a:pPr>
+            <a:r>
+              <a:rPr lang="en-US" dirty="0">
+                <a:solidFill>
+                  <a:schemeClr val="tx1"/>
+                </a:solidFill>
+              </a:rPr>
+              <a:t>Introduced intentional environmental variations </a:t>
+            </a:r>
+          </a:p>
+          <a:p>
+            <a:pPr marL="285750" indent="-285750" defTabSz="576000" eaLnBrk="0" hangingPunct="0">
+              <a:lnSpc>
+                <a:spcPct val="120000"/>
+              </a:lnSpc>
+              <a:buFont typeface="Arial" panose="020B0604020202020204" pitchFamily="34" charset="0"/>
+              <a:buChar char="•"/>
+            </a:pPr>
+            <a:endParaRPr lang="en-US" dirty="0">
+              <a:solidFill>
+                <a:schemeClr val="tx1"/>
+              </a:solidFill>
+            </a:endParaRPr>
+          </a:p>
+          <a:p>
+            <a:pPr marL="285750" indent="-285750" defTabSz="576000" eaLnBrk="0" hangingPunct="0">
+              <a:lnSpc>
+                <a:spcPct val="120000"/>
+              </a:lnSpc>
+              <a:buFont typeface="Arial" panose="020B0604020202020204" pitchFamily="34" charset="0"/>
+              <a:buChar char="•"/>
+            </a:pPr>
+            <a:r>
+              <a:rPr lang="en-US" dirty="0">
+                <a:solidFill>
+                  <a:schemeClr val="tx1"/>
+                </a:solidFill>
+              </a:rPr>
+              <a:t>Increased data volume did not lead to improvement</a:t>
+            </a:r>
+          </a:p>
+          <a:p>
+            <a:pPr marL="285750" indent="-285750" defTabSz="576000" eaLnBrk="0" hangingPunct="0">
+              <a:lnSpc>
+                <a:spcPct val="120000"/>
+              </a:lnSpc>
+              <a:buFont typeface="Arial" panose="020B0604020202020204" pitchFamily="34" charset="0"/>
+              <a:buChar char="•"/>
+            </a:pPr>
+            <a:r>
+              <a:rPr lang="en-US" dirty="0">
+                <a:solidFill>
+                  <a:schemeClr val="tx1"/>
+                </a:solidFill>
+              </a:rPr>
+              <a:t>the model only “works” in the lab</a:t>
+            </a:r>
+          </a:p>
+          <a:p>
+            <a:pPr marL="285750" indent="-285750" defTabSz="576000" eaLnBrk="0" hangingPunct="0">
+              <a:lnSpc>
+                <a:spcPct val="120000"/>
+              </a:lnSpc>
+              <a:buFont typeface="Arial" panose="020B0604020202020204" pitchFamily="34" charset="0"/>
+              <a:buChar char="•"/>
+            </a:pPr>
+            <a:r>
+              <a:rPr lang="en-US" dirty="0">
+                <a:solidFill>
+                  <a:schemeClr val="tx1"/>
+                </a:solidFill>
+              </a:rPr>
+              <a:t> </a:t>
             </a:r>
           </a:p>
         </p:txBody>
@@ -21543,6 +21639,18 @@
             </a:r>
           </a:p>
           <a:p>
+            <a:pPr defTabSz="576000" eaLnBrk="0" hangingPunct="0">
+              <a:lnSpc>
+                <a:spcPct val="120000"/>
+              </a:lnSpc>
+            </a:pPr>
+            <a:endParaRPr lang="en-US" dirty="0">
+              <a:solidFill>
+                <a:schemeClr val="tx1"/>
+              </a:solidFill>
+            </a:endParaRPr>
+          </a:p>
+          <a:p>
             <a:pPr marL="285750" indent="-285750" defTabSz="576000" eaLnBrk="0" hangingPunct="0">
               <a:lnSpc>
                 <a:spcPct val="120000"/>
@@ -21556,7 +21664,7 @@
                   <a:schemeClr val="tx1"/>
                 </a:solidFill>
               </a:rPr>
-              <a:t>Text</a:t>
+              <a:t>Transforming the trained model into c code for hardware implementation</a:t>
             </a:r>
           </a:p>
           <a:p>
@@ -21567,32 +21675,22 @@
               <a:buFont typeface="Arial" panose="020B0604020202020204" pitchFamily="34" charset="0"/>
               <a:buChar char="•"/>
             </a:pPr>
-            <a:endParaRPr lang="en-US" dirty="0">
-              <a:solidFill>
-                <a:schemeClr val="tx1"/>
-              </a:solidFill>
-            </a:endParaRPr>
-          </a:p>
-          <a:p>
-            <a:pPr defTabSz="576000" eaLnBrk="0" hangingPunct="0">
-              <a:lnSpc>
-                <a:spcPct val="120000"/>
-              </a:lnSpc>
-            </a:pPr>
             <a:r>
               <a:rPr lang="en-US" dirty="0">
                 <a:solidFill>
                   <a:schemeClr val="tx1"/>
                 </a:solidFill>
               </a:rPr>
-              <a:t>Show what you have planned for the project presentation and your submission, you have more room on the next slide</a:t>
-            </a:r>
-          </a:p>
-          <a:p>
-            <a:pPr defTabSz="576000" eaLnBrk="0" hangingPunct="0">
+              <a:t>Finalizing a local http server to visualize real time data</a:t>
+            </a:r>
+          </a:p>
+          <a:p>
+            <a:pPr marL="285750" indent="-285750" defTabSz="576000" eaLnBrk="0" hangingPunct="0">
               <a:lnSpc>
                 <a:spcPct val="120000"/>
               </a:lnSpc>
+              <a:buFont typeface="Arial" panose="020B0604020202020204" pitchFamily="34" charset="0"/>
+              <a:buChar char="•"/>
             </a:pPr>
             <a:endParaRPr lang="en-US" dirty="0">
               <a:solidFill>
@@ -21688,14 +21786,42 @@
               <a:buFont typeface="Arial" panose="020B0604020202020204" pitchFamily="34" charset="0"/>
               <a:buChar char="•"/>
             </a:pPr>
+            <a:endParaRPr lang="en-US" dirty="0">
+              <a:solidFill>
+                <a:schemeClr val="tx1"/>
+              </a:solidFill>
+            </a:endParaRPr>
+          </a:p>
+          <a:p>
+            <a:pPr marL="285750" indent="-285750" defTabSz="576000" eaLnBrk="0" hangingPunct="0">
+              <a:lnSpc>
+                <a:spcPct val="120000"/>
+              </a:lnSpc>
+              <a:buFont typeface="Arial" panose="020B0604020202020204" pitchFamily="34" charset="0"/>
+              <a:buChar char="•"/>
+            </a:pPr>
             <a:r>
               <a:rPr lang="en-US" dirty="0">
                 <a:solidFill>
                   <a:schemeClr val="tx1"/>
                 </a:solidFill>
               </a:rPr>
-              <a:t>text</a:t>
-            </a:r>
+              <a:t>Models do not improve</a:t>
+            </a:r>
+          </a:p>
+          <a:p>
+            <a:pPr marL="285750" indent="-285750" defTabSz="576000" eaLnBrk="0" hangingPunct="0">
+              <a:lnSpc>
+                <a:spcPct val="120000"/>
+              </a:lnSpc>
+              <a:buFont typeface="Arial" panose="020B0604020202020204" pitchFamily="34" charset="0"/>
+              <a:buChar char="•"/>
+            </a:pPr>
+            <a:endParaRPr lang="en-US" dirty="0">
+              <a:solidFill>
+                <a:schemeClr val="tx1"/>
+              </a:solidFill>
+            </a:endParaRPr>
           </a:p>
         </p:txBody>
       </p:sp>
@@ -24165,15 +24291,6 @@
 </file>
 
 <file path=customXml/item2.xml><?xml version="1.0" encoding="utf-8"?>
-<p:properties xmlns:p="http://schemas.microsoft.com/office/2006/metadata/properties" xmlns:xsi="http://www.w3.org/2001/XMLSchema-instance" xmlns:pc="http://schemas.microsoft.com/office/infopath/2007/PartnerControls">
-  <documentManagement>
-    <_ip_UnifiedCompliancePolicyUIAction xmlns="http://schemas.microsoft.com/sharepoint/v3" xsi:nil="true"/>
-    <_ip_UnifiedCompliancePolicyProperties xmlns="http://schemas.microsoft.com/sharepoint/v3" xsi:nil="true"/>
-  </documentManagement>
-</p:properties>
-</file>
-
-<file path=customXml/item3.xml><?xml version="1.0" encoding="utf-8"?>
 <ct:contentTypeSchema xmlns:ct="http://schemas.microsoft.com/office/2006/metadata/contentType" xmlns:ma="http://schemas.microsoft.com/office/2006/metadata/properties/metaAttributes" ct:_="" ma:_="" ma:contentTypeName="Document" ma:contentTypeID="0x010100B7908744A1DC0E459D19409169BD101C" ma:contentTypeVersion="10" ma:contentTypeDescription="Create a new document." ma:contentTypeScope="" ma:versionID="d0a38bccec903cc7fc917c43126213b1">
   <xsd:schema xmlns:xsd="http://www.w3.org/2001/XMLSchema" xmlns:xs="http://www.w3.org/2001/XMLSchema" xmlns:p="http://schemas.microsoft.com/office/2006/metadata/properties" xmlns:ns1="http://schemas.microsoft.com/sharepoint/v3" xmlns:ns2="3df75a81-b7cb-4783-ab8b-190cb7919186" targetNamespace="http://schemas.microsoft.com/office/2006/metadata/properties" ma:root="true" ma:fieldsID="18817bea9ddb899bcb71e34dfb063dcd" ns1:_="" ns2:_="">
     <xsd:import namespace="http://schemas.microsoft.com/sharepoint/v3"/>
@@ -24360,6 +24477,15 @@
 </ct:contentTypeSchema>
 </file>
 
+<file path=customXml/item3.xml><?xml version="1.0" encoding="utf-8"?>
+<p:properties xmlns:p="http://schemas.microsoft.com/office/2006/metadata/properties" xmlns:xsi="http://www.w3.org/2001/XMLSchema-instance" xmlns:pc="http://schemas.microsoft.com/office/infopath/2007/PartnerControls">
+  <documentManagement>
+    <_ip_UnifiedCompliancePolicyUIAction xmlns="http://schemas.microsoft.com/sharepoint/v3" xsi:nil="true"/>
+    <_ip_UnifiedCompliancePolicyProperties xmlns="http://schemas.microsoft.com/sharepoint/v3" xsi:nil="true"/>
+  </documentManagement>
+</p:properties>
+</file>
+
 <file path=customXml/itemProps1.xml><?xml version="1.0" encoding="utf-8"?>
 <ds:datastoreItem xmlns:ds="http://schemas.openxmlformats.org/officeDocument/2006/customXml" ds:itemID="{63C6748B-B74E-4BE1-834C-AEBB9BCA18FB}">
   <ds:schemaRefs>
@@ -24369,23 +24495,6 @@
 </file>
 
 <file path=customXml/itemProps2.xml><?xml version="1.0" encoding="utf-8"?>
-<ds:datastoreItem xmlns:ds="http://schemas.openxmlformats.org/officeDocument/2006/customXml" ds:itemID="{D299A1D5-F553-4264-9022-E0136C61CE27}">
-  <ds:schemaRefs>
-    <ds:schemaRef ds:uri="http://schemas.microsoft.com/office/infopath/2007/PartnerControls"/>
-    <ds:schemaRef ds:uri="3df75a81-b7cb-4783-ab8b-190cb7919186"/>
-    <ds:schemaRef ds:uri="http://purl.org/dc/elements/1.1/"/>
-    <ds:schemaRef ds:uri="http://schemas.microsoft.com/office/2006/documentManagement/types"/>
-    <ds:schemaRef ds:uri="http://schemas.microsoft.com/sharepoint/v3"/>
-    <ds:schemaRef ds:uri="http://schemas.openxmlformats.org/package/2006/metadata/core-properties"/>
-    <ds:schemaRef ds:uri="http://schemas.microsoft.com/office/2006/metadata/properties"/>
-    <ds:schemaRef ds:uri="http://www.w3.org/XML/1998/namespace"/>
-    <ds:schemaRef ds:uri="http://purl.org/dc/dcmitype/"/>
-    <ds:schemaRef ds:uri="http://purl.org/dc/terms/"/>
-  </ds:schemaRefs>
-</ds:datastoreItem>
-</file>
-
-<file path=customXml/itemProps3.xml><?xml version="1.0" encoding="utf-8"?>
 <ds:datastoreItem xmlns:ds="http://schemas.openxmlformats.org/officeDocument/2006/customXml" ds:itemID="{E9E621A0-1E67-4A33-AC30-1B8333BDE18B}">
   <ds:schemaRefs>
     <ds:schemaRef ds:uri="http://schemas.microsoft.com/office/2006/metadata/contentType"/>
@@ -24404,6 +24513,23 @@
 </ds:datastoreItem>
 </file>
 
+<file path=customXml/itemProps3.xml><?xml version="1.0" encoding="utf-8"?>
+<ds:datastoreItem xmlns:ds="http://schemas.openxmlformats.org/officeDocument/2006/customXml" ds:itemID="{D299A1D5-F553-4264-9022-E0136C61CE27}">
+  <ds:schemaRefs>
+    <ds:schemaRef ds:uri="http://schemas.microsoft.com/office/infopath/2007/PartnerControls"/>
+    <ds:schemaRef ds:uri="3df75a81-b7cb-4783-ab8b-190cb7919186"/>
+    <ds:schemaRef ds:uri="http://purl.org/dc/elements/1.1/"/>
+    <ds:schemaRef ds:uri="http://schemas.microsoft.com/office/2006/documentManagement/types"/>
+    <ds:schemaRef ds:uri="http://schemas.microsoft.com/sharepoint/v3"/>
+    <ds:schemaRef ds:uri="http://schemas.openxmlformats.org/package/2006/metadata/core-properties"/>
+    <ds:schemaRef ds:uri="http://schemas.microsoft.com/office/2006/metadata/properties"/>
+    <ds:schemaRef ds:uri="http://www.w3.org/XML/1998/namespace"/>
+    <ds:schemaRef ds:uri="http://purl.org/dc/dcmitype/"/>
+    <ds:schemaRef ds:uri="http://purl.org/dc/terms/"/>
+  </ds:schemaRefs>
+</ds:datastoreItem>
+</file>
+
 <file path=docMetadata/LabelInfo.xml><?xml version="1.0" encoding="utf-8"?>
 <clbl:labelList xmlns:clbl="http://schemas.microsoft.com/office/2020/mipLabelMetadata">
   <clbl:label id="{a15a25aa-e944-415d-b7a7-40f6b9180b6b}" enabled="1" method="Standard" siteId="{eeb8d0e8-3544-41d3-aac6-934c309faf5a}" removed="0"/>
